--- a/doc/O-DB-DOCKER_Workshop_Exercise.pptx
+++ b/doc/O-DB-DOCKER_Workshop_Exercise.pptx
@@ -3768,14 +3768,6 @@
             </a:r>
             <a:r>
               <a:rPr/>
-              <a:t>Docker</a:t>
-            </a:r>
-            <a:r>
-              <a:rPr/>
-              <a:t> </a:t>
-            </a:r>
-            <a:r>
-              <a:rPr/>
               <a:t>container</a:t>
             </a:r>
           </a:p>
@@ -3933,22 +3925,6 @@
               <a:rPr/>
               <a:t>Setup</a:t>
             </a:r>
-            <a:r>
-              <a:rPr/>
-              <a:t> </a:t>
-            </a:r>
-            <a:r>
-              <a:rPr/>
-              <a:t>and</a:t>
-            </a:r>
-            <a:r>
-              <a:rPr/>
-              <a:t> </a:t>
-            </a:r>
-            <a:r>
-              <a:rPr/>
-              <a:t>Test</a:t>
-            </a:r>
           </a:p>
         </p:txBody>
       </p:sp>
@@ -3984,7 +3960,7 @@
             </a:pPr>
             <a:r>
               <a:rPr/>
-              <a:t>Use startup / setup script folder to customize the database Docker container.</a:t>
+              <a:t>Use the startup / setup script folder to customize the database Docker container. In this exercise using Oracle Unified Directory as an example.</a:t>
             </a:r>
           </a:p>
           <a:p>
@@ -4037,7 +4013,84 @@
             </a:r>
             <a:r>
               <a:rPr/>
-              <a:t> and review the database configuration</a:t>
+              <a:t> and review the database configuration. In particular the Unified Audit configuration.</a:t>
+            </a:r>
+          </a:p>
+          <a:p>
+            <a:pPr lvl="1"/>
+            <a:r>
+              <a:rPr/>
+              <a:t>Re-create the Docker container using </a:t>
+            </a:r>
+            <a:r>
+              <a:rPr sz="1800">
+                <a:latin typeface="Courier"/>
+              </a:rPr>
+              <a:t>docker-compose</a:t>
+            </a:r>
+            <a:r>
+              <a:rPr/>
+              <a:t> to see that Oracle Unified Audit gets linked again</a:t>
+            </a:r>
+          </a:p>
+          <a:p>
+            <a:pPr lvl="0" marL="0" indent="0">
+              <a:spcBef>
+                <a:spcPts val="3000"/>
+              </a:spcBef>
+              <a:buNone/>
+            </a:pPr>
+            <a:r>
+              <a:rPr b="1"/>
+              <a:t>Additions to the Solution</a:t>
+            </a:r>
+          </a:p>
+          <a:p>
+            <a:pPr lvl="1"/>
+            <a:r>
+              <a:rPr/>
+              <a:t>The </a:t>
+            </a:r>
+            <a:r>
+              <a:rPr sz="1800">
+                <a:latin typeface="Courier"/>
+              </a:rPr>
+              <a:t>docker-compose</a:t>
+            </a:r>
+            <a:r>
+              <a:rPr/>
+              <a:t> file does include the services for Oracle 12.2, 18c and 19c. But the services </a:t>
+            </a:r>
+            <a:r>
+              <a:rPr b="1"/>
+              <a:t>tua122</a:t>
+            </a:r>
+            <a:r>
+              <a:rPr/>
+              <a:t> and </a:t>
+            </a:r>
+            <a:r>
+              <a:rPr b="1"/>
+              <a:t>tua180</a:t>
+            </a:r>
+            <a:r>
+              <a:rPr/>
+              <a:t> are commented out.</a:t>
+            </a:r>
+          </a:p>
+          <a:p>
+            <a:pPr lvl="1"/>
+            <a:r>
+              <a:rPr/>
+              <a:t>The database is pre-configured in volume </a:t>
+            </a:r>
+            <a:r>
+              <a:rPr i="1"/>
+              <a:t>db-tua190</a:t>
+            </a:r>
+            <a:r>
+              <a:rPr/>
+              <a:t> if used a different Oracle version the DB may have to be created.</a:t>
             </a:r>
           </a:p>
         </p:txBody>
@@ -4192,7 +4245,7 @@
             <a:pPr lvl="1"/>
             <a:r>
               <a:rPr/>
-              <a:t>Create a container based on 19.3.0.0</a:t>
+              <a:t>Create a container based on 19.4.0.0 (Volume / database is pre-configured)</a:t>
             </a:r>
           </a:p>
           <a:p>
@@ -5312,30 +5365,6 @@
               <a:rPr/>
               <a:t>image</a:t>
             </a:r>
-            <a:r>
-              <a:rPr/>
-              <a:t> </a:t>
-            </a:r>
-            <a:r>
-              <a:rPr/>
-              <a:t>to</a:t>
-            </a:r>
-            <a:r>
-              <a:rPr/>
-              <a:t> </a:t>
-            </a:r>
-            <a:r>
-              <a:rPr/>
-              <a:t>get</a:t>
-            </a:r>
-            <a:r>
-              <a:rPr/>
-              <a:t> </a:t>
-            </a:r>
-            <a:r>
-              <a:rPr/>
-              <a:t>warm</a:t>
-            </a:r>
           </a:p>
         </p:txBody>
       </p:sp>
@@ -5431,6 +5460,13 @@
             <a:r>
               <a:rPr/>
               <a:t> example.</a:t>
+            </a:r>
+          </a:p>
+          <a:p>
+            <a:pPr lvl="1"/>
+            <a:r>
+              <a:rPr/>
+              <a:t>Run a few basic docker commands.</a:t>
             </a:r>
           </a:p>
         </p:txBody>
@@ -5620,14 +5656,22 @@
             <a:pPr lvl="1"/>
             <a:r>
               <a:rPr/>
-              <a:t>Using a bultistage build.</a:t>
-            </a:r>
-          </a:p>
-          <a:p>
-            <a:pPr lvl="1"/>
-            <a:r>
-              <a:rPr/>
-              <a:t>Verify if Docker expertimental is enabled</a:t>
+              <a:t>Using a build stage build.</a:t>
+            </a:r>
+          </a:p>
+          <a:p>
+            <a:pPr lvl="1"/>
+            <a:r>
+              <a:rPr/>
+              <a:t>Verify if Docker </a:t>
+            </a:r>
+            <a:r>
+              <a:rPr i="1"/>
+              <a:t>expertimental</a:t>
+            </a:r>
+            <a:r>
+              <a:rPr/>
+              <a:t> is enabled</a:t>
             </a:r>
           </a:p>
           <a:p>
@@ -5641,7 +5685,7 @@
             <a:pPr lvl="1"/>
             <a:r>
               <a:rPr/>
-              <a:t>Analyse the different imags using </a:t>
+              <a:t>Analyse the different images using </a:t>
             </a:r>
             <a:r>
               <a:rPr sz="1800">
@@ -5960,14 +6004,14 @@
             <a:pPr lvl="1"/>
             <a:r>
               <a:rPr/>
-              <a:t>Customize the Dockerfile for build a simple database image.</a:t>
-            </a:r>
-          </a:p>
-          <a:p>
-            <a:pPr lvl="1"/>
-            <a:r>
-              <a:rPr/>
-              <a:t>Build the database Docker image.</a:t>
+              <a:t>Customize the Dockerfile for build a simple database image using Oracle RPM package.</a:t>
+            </a:r>
+          </a:p>
+          <a:p>
+            <a:pPr lvl="1"/>
+            <a:r>
+              <a:rPr/>
+              <a:t>Build the database Docker image. Either by using orarepo or the local software.</a:t>
             </a:r>
           </a:p>
           <a:p>
@@ -5975,6 +6019,13 @@
             <a:r>
               <a:rPr/>
               <a:t>Think about what this image lacks.</a:t>
+            </a:r>
+          </a:p>
+          <a:p>
+            <a:pPr lvl="1"/>
+            <a:r>
+              <a:rPr/>
+              <a:t>Optional: Create a simple database image using regular Oracle packages.</a:t>
             </a:r>
           </a:p>
         </p:txBody>
